--- a/docs/diagrams/UndoRedoExecuteUndoStateListDiagram.pptx
+++ b/docs/diagrams/UndoRedoExecuteUndoStateListDiagram.pptx
@@ -112,10 +112,6 @@
 </p:presentation>
 </file>
 
-<file path=ppt/revisionInfo.xml><?xml version="1.0" encoding="utf-8"?>
-<p1510:revInfo xmlns:a="http://schemas.openxmlformats.org/drawingml/2006/main" xmlns:r="http://schemas.openxmlformats.org/officeDocument/2006/relationships" xmlns:p1510="http://schemas.microsoft.com/office/powerpoint/2015/10/main"/>
-</file>
-
 <file path=ppt/slideLayouts/slideLayout1.xml><?xml version="1.0" encoding="utf-8"?>
 <p:sldLayout xmlns:a="http://schemas.openxmlformats.org/drawingml/2006/main" xmlns:r="http://schemas.openxmlformats.org/officeDocument/2006/relationships" xmlns:p="http://schemas.openxmlformats.org/presentationml/2006/main" type="title" preserve="1">
   <p:cSld name="Title Slide">
@@ -265,7 +261,7 @@
           <a:p>
             <a:fld id="{03EC4E3E-8101-482F-A883-8B55DAFF7C07}" type="datetimeFigureOut">
               <a:rPr lang="en-SG" smtClean="0"/>
-              <a:t>6/7/2018</a:t>
+              <a:t>15/4/2019</a:t>
             </a:fld>
             <a:endParaRPr lang="en-SG"/>
           </a:p>
@@ -465,7 +461,7 @@
           <a:p>
             <a:fld id="{03EC4E3E-8101-482F-A883-8B55DAFF7C07}" type="datetimeFigureOut">
               <a:rPr lang="en-SG" smtClean="0"/>
-              <a:t>6/7/2018</a:t>
+              <a:t>15/4/2019</a:t>
             </a:fld>
             <a:endParaRPr lang="en-SG"/>
           </a:p>
@@ -675,7 +671,7 @@
           <a:p>
             <a:fld id="{03EC4E3E-8101-482F-A883-8B55DAFF7C07}" type="datetimeFigureOut">
               <a:rPr lang="en-SG" smtClean="0"/>
-              <a:t>6/7/2018</a:t>
+              <a:t>15/4/2019</a:t>
             </a:fld>
             <a:endParaRPr lang="en-SG"/>
           </a:p>
@@ -875,7 +871,7 @@
           <a:p>
             <a:fld id="{03EC4E3E-8101-482F-A883-8B55DAFF7C07}" type="datetimeFigureOut">
               <a:rPr lang="en-SG" smtClean="0"/>
-              <a:t>6/7/2018</a:t>
+              <a:t>15/4/2019</a:t>
             </a:fld>
             <a:endParaRPr lang="en-SG"/>
           </a:p>
@@ -1151,7 +1147,7 @@
           <a:p>
             <a:fld id="{03EC4E3E-8101-482F-A883-8B55DAFF7C07}" type="datetimeFigureOut">
               <a:rPr lang="en-SG" smtClean="0"/>
-              <a:t>6/7/2018</a:t>
+              <a:t>15/4/2019</a:t>
             </a:fld>
             <a:endParaRPr lang="en-SG"/>
           </a:p>
@@ -1419,7 +1415,7 @@
           <a:p>
             <a:fld id="{03EC4E3E-8101-482F-A883-8B55DAFF7C07}" type="datetimeFigureOut">
               <a:rPr lang="en-SG" smtClean="0"/>
-              <a:t>6/7/2018</a:t>
+              <a:t>15/4/2019</a:t>
             </a:fld>
             <a:endParaRPr lang="en-SG"/>
           </a:p>
@@ -1834,7 +1830,7 @@
           <a:p>
             <a:fld id="{03EC4E3E-8101-482F-A883-8B55DAFF7C07}" type="datetimeFigureOut">
               <a:rPr lang="en-SG" smtClean="0"/>
-              <a:t>6/7/2018</a:t>
+              <a:t>15/4/2019</a:t>
             </a:fld>
             <a:endParaRPr lang="en-SG"/>
           </a:p>
@@ -1976,7 +1972,7 @@
           <a:p>
             <a:fld id="{03EC4E3E-8101-482F-A883-8B55DAFF7C07}" type="datetimeFigureOut">
               <a:rPr lang="en-SG" smtClean="0"/>
-              <a:t>6/7/2018</a:t>
+              <a:t>15/4/2019</a:t>
             </a:fld>
             <a:endParaRPr lang="en-SG"/>
           </a:p>
@@ -2089,7 +2085,7 @@
           <a:p>
             <a:fld id="{03EC4E3E-8101-482F-A883-8B55DAFF7C07}" type="datetimeFigureOut">
               <a:rPr lang="en-SG" smtClean="0"/>
-              <a:t>6/7/2018</a:t>
+              <a:t>15/4/2019</a:t>
             </a:fld>
             <a:endParaRPr lang="en-SG"/>
           </a:p>
@@ -2402,7 +2398,7 @@
           <a:p>
             <a:fld id="{03EC4E3E-8101-482F-A883-8B55DAFF7C07}" type="datetimeFigureOut">
               <a:rPr lang="en-SG" smtClean="0"/>
-              <a:t>6/7/2018</a:t>
+              <a:t>15/4/2019</a:t>
             </a:fld>
             <a:endParaRPr lang="en-SG"/>
           </a:p>
@@ -2691,7 +2687,7 @@
           <a:p>
             <a:fld id="{03EC4E3E-8101-482F-A883-8B55DAFF7C07}" type="datetimeFigureOut">
               <a:rPr lang="en-SG" smtClean="0"/>
-              <a:t>6/7/2018</a:t>
+              <a:t>15/4/2019</a:t>
             </a:fld>
             <a:endParaRPr lang="en-SG"/>
           </a:p>
@@ -2934,7 +2930,7 @@
           <a:p>
             <a:fld id="{03EC4E3E-8101-482F-A883-8B55DAFF7C07}" type="datetimeFigureOut">
               <a:rPr lang="en-SG" smtClean="0"/>
-              <a:t>6/7/2018</a:t>
+              <a:t>15/4/2019</a:t>
             </a:fld>
             <a:endParaRPr lang="en-SG"/>
           </a:p>
@@ -3407,7 +3403,15 @@
             <a:pPr algn="ctr"/>
             <a:r>
               <a:rPr lang="en-SG" dirty="0"/>
-              <a:t>The state of the address book (before ‘add n/David …’ was executed) will be restored to state ab1.</a:t>
+              <a:t>The state of the </a:t>
+            </a:r>
+            <a:r>
+              <a:rPr lang="en-SG" dirty="0" err="1"/>
+              <a:t>giatros</a:t>
+            </a:r>
+            <a:r>
+              <a:rPr lang="en-SG" dirty="0"/>
+              <a:t> book (before ‘add n/David …’ was executed) will be restored to state gb1.</a:t>
             </a:r>
           </a:p>
         </p:txBody>
@@ -3515,7 +3519,7 @@
           <p:nvPr>
             <p:extLst>
               <p:ext uri="{D42A27DB-BD31-4B8C-83A1-F6EECF244321}">
-                <p14:modId xmlns:p14="http://schemas.microsoft.com/office/powerpoint/2010/main" val="1674993041"/>
+                <p14:modId xmlns:p14="http://schemas.microsoft.com/office/powerpoint/2010/main" val="3546043265"/>
               </p:ext>
             </p:extLst>
           </p:nvPr>
@@ -3547,11 +3551,11 @@
                     <a:p>
                       <a:r>
                         <a:rPr lang="en-SG" u="sng" dirty="0"/>
-                        <a:t>ab0:</a:t>
+                        <a:t>gb0:</a:t>
                       </a:r>
                       <a:r>
                         <a:rPr lang="en-SG" sz="1800" u="sng" dirty="0"/>
-                        <a:t>AddressBook</a:t>
+                        <a:t>GiatrosBook</a:t>
                       </a:r>
                       <a:endParaRPr lang="en-SG" u="sng" dirty="0"/>
                     </a:p>
@@ -3719,7 +3723,7 @@
           <p:nvPr>
             <p:extLst>
               <p:ext uri="{D42A27DB-BD31-4B8C-83A1-F6EECF244321}">
-                <p14:modId xmlns:p14="http://schemas.microsoft.com/office/powerpoint/2010/main" val="3085921390"/>
+                <p14:modId xmlns:p14="http://schemas.microsoft.com/office/powerpoint/2010/main" val="2940927592"/>
               </p:ext>
             </p:extLst>
           </p:nvPr>
@@ -3751,11 +3755,11 @@
                     <a:p>
                       <a:r>
                         <a:rPr lang="en-SG" u="sng" dirty="0"/>
-                        <a:t>ab1:</a:t>
+                        <a:t>gb1:</a:t>
                       </a:r>
                       <a:r>
                         <a:rPr lang="en-SG" sz="1800" u="sng" dirty="0"/>
-                        <a:t>AddressBook</a:t>
+                        <a:t>GiatrosBook</a:t>
                       </a:r>
                       <a:endParaRPr lang="en-SG" u="sng" dirty="0"/>
                     </a:p>
@@ -3787,7 +3791,7 @@
           <p:nvPr>
             <p:extLst>
               <p:ext uri="{D42A27DB-BD31-4B8C-83A1-F6EECF244321}">
-                <p14:modId xmlns:p14="http://schemas.microsoft.com/office/powerpoint/2010/main" val="3504448791"/>
+                <p14:modId xmlns:p14="http://schemas.microsoft.com/office/powerpoint/2010/main" val="1304970982"/>
               </p:ext>
             </p:extLst>
           </p:nvPr>
@@ -3819,11 +3823,11 @@
                     <a:p>
                       <a:r>
                         <a:rPr lang="en-SG" u="sng" dirty="0"/>
-                        <a:t>ab2:</a:t>
+                        <a:t>gb2:</a:t>
                       </a:r>
                       <a:r>
                         <a:rPr lang="en-SG" sz="1800" u="sng" dirty="0"/>
-                        <a:t>AddressBook</a:t>
+                        <a:t>GiatrosBook</a:t>
                       </a:r>
                       <a:endParaRPr lang="en-SG" u="sng" dirty="0"/>
                     </a:p>
@@ -3855,7 +3859,7 @@
           <p:nvPr>
             <p:extLst>
               <p:ext uri="{D42A27DB-BD31-4B8C-83A1-F6EECF244321}">
-                <p14:modId xmlns:p14="http://schemas.microsoft.com/office/powerpoint/2010/main" val="3880678430"/>
+                <p14:modId xmlns:p14="http://schemas.microsoft.com/office/powerpoint/2010/main" val="127707317"/>
               </p:ext>
             </p:extLst>
           </p:nvPr>
@@ -3887,11 +3891,11 @@
                     <a:p>
                       <a:r>
                         <a:rPr lang="en-SG" u="sng" dirty="0"/>
-                        <a:t>ab0:</a:t>
+                        <a:t>gb0:</a:t>
                       </a:r>
                       <a:r>
                         <a:rPr lang="en-SG" sz="1800" u="sng" dirty="0"/>
-                        <a:t>AddressBook</a:t>
+                        <a:t>GiatrosBook</a:t>
                       </a:r>
                       <a:endParaRPr lang="en-SG" u="sng" dirty="0"/>
                     </a:p>
@@ -3923,7 +3927,7 @@
           <p:nvPr>
             <p:extLst>
               <p:ext uri="{D42A27DB-BD31-4B8C-83A1-F6EECF244321}">
-                <p14:modId xmlns:p14="http://schemas.microsoft.com/office/powerpoint/2010/main" val="719723626"/>
+                <p14:modId xmlns:p14="http://schemas.microsoft.com/office/powerpoint/2010/main" val="3800772223"/>
               </p:ext>
             </p:extLst>
           </p:nvPr>
@@ -3955,11 +3959,11 @@
                     <a:p>
                       <a:r>
                         <a:rPr lang="en-SG" u="sng" dirty="0"/>
-                        <a:t>ab1:</a:t>
+                        <a:t>gb1:</a:t>
                       </a:r>
                       <a:r>
                         <a:rPr lang="en-SG" sz="1800" u="sng" dirty="0"/>
-                        <a:t>AddressBook</a:t>
+                        <a:t>GiatrosBook</a:t>
                       </a:r>
                       <a:endParaRPr lang="en-SG" u="sng" dirty="0"/>
                     </a:p>
@@ -3991,7 +3995,7 @@
           <p:nvPr>
             <p:extLst>
               <p:ext uri="{D42A27DB-BD31-4B8C-83A1-F6EECF244321}">
-                <p14:modId xmlns:p14="http://schemas.microsoft.com/office/powerpoint/2010/main" val="3592690620"/>
+                <p14:modId xmlns:p14="http://schemas.microsoft.com/office/powerpoint/2010/main" val="320695214"/>
               </p:ext>
             </p:extLst>
           </p:nvPr>
@@ -4023,11 +4027,11 @@
                     <a:p>
                       <a:r>
                         <a:rPr lang="en-SG" u="sng" dirty="0"/>
-                        <a:t>ab2:</a:t>
+                        <a:t>gb2:</a:t>
                       </a:r>
                       <a:r>
                         <a:rPr lang="en-SG" sz="1800" u="sng" dirty="0"/>
-                        <a:t>AddressBook</a:t>
+                        <a:t>GiatrosBook</a:t>
                       </a:r>
                       <a:endParaRPr lang="en-SG" u="sng" dirty="0"/>
                     </a:p>
